--- a/Data Science Architecture.pptx
+++ b/Data Science Architecture.pptx
@@ -12,8 +12,8 @@
     <p:handoutMasterId r:id="rId11"/>
   </p:handoutMasterIdLst>
   <p:sldIdLst>
-    <p:sldId id="1041" r:id="rId7"/>
-    <p:sldId id="1045" r:id="rId8"/>
+    <p:sldId id="1045" r:id="rId7"/>
+    <p:sldId id="1041" r:id="rId8"/>
     <p:sldId id="1044" r:id="rId9"/>
   </p:sldIdLst>
   <p:sldSz cx="9144000" cy="6858000" type="screen4x3"/>
@@ -237,7 +237,7 @@
           <a:p>
             <a:fld id="{3A9995C8-D8E1-4CA0-82B1-B7037DD864C9}" type="datetimeFigureOut">
               <a:rPr lang="en-US" smtClean="0"/>
-              <a:t>11/20/23</a:t>
+              <a:t>3/10/24</a:t>
             </a:fld>
             <a:endParaRPr lang="en-US"/>
           </a:p>
@@ -414,7 +414,7 @@
           <a:p>
             <a:fld id="{40BF6123-5584-4859-9232-7C64D48C60BC}" type="datetimeFigureOut">
               <a:rPr lang="en-US" smtClean="0"/>
-              <a:t>11/20/23</a:t>
+              <a:t>3/10/24</a:t>
             </a:fld>
             <a:endParaRPr lang="en-US" dirty="0"/>
           </a:p>
@@ -746,7 +746,7 @@
           <a:p>
             <a:fld id="{DA6F7D25-770E-4F77-8331-8C84F68246BD}" type="slidenum">
               <a:rPr lang="en-US" smtClean="0"/>
-              <a:t>1</a:t>
+              <a:t>2</a:t>
             </a:fld>
             <a:endParaRPr lang="en-US"/>
           </a:p>
@@ -5310,6 +5310,326 @@
           <a:chExt cx="0" cy="0"/>
         </a:xfrm>
       </p:grpSpPr>
+      <p:sp>
+        <p:nvSpPr>
+          <p:cNvPr id="3" name="Slide Number Placeholder 2">
+            <a:extLst>
+              <a:ext uri="{FF2B5EF4-FFF2-40B4-BE49-F238E27FC236}">
+                <a16:creationId xmlns:a16="http://schemas.microsoft.com/office/drawing/2014/main" id="{C3E3BAE3-590C-4C55-93C6-A58CA65F8B11}"/>
+              </a:ext>
+            </a:extLst>
+          </p:cNvPr>
+          <p:cNvSpPr>
+            <a:spLocks noGrp="1"/>
+          </p:cNvSpPr>
+          <p:nvPr>
+            <p:ph type="sldNum" sz="quarter" idx="4294967295"/>
+          </p:nvPr>
+        </p:nvSpPr>
+        <p:spPr>
+          <a:xfrm>
+            <a:off x="8686800" y="6400232"/>
+            <a:ext cx="384630" cy="365125"/>
+          </a:xfrm>
+        </p:spPr>
+        <p:txBody>
+          <a:bodyPr/>
+          <a:lstStyle/>
+          <a:p>
+            <a:fld id="{D983F1FA-211D-3044-9E35-958DFBC26156}" type="slidenum">
+              <a:rPr lang="en-US" smtClean="0">
+                <a:solidFill>
+                  <a:prstClr val="white"/>
+                </a:solidFill>
+              </a:rPr>
+              <a:pPr/>
+              <a:t>1</a:t>
+            </a:fld>
+            <a:endParaRPr lang="en-US" dirty="0">
+              <a:solidFill>
+                <a:prstClr val="white"/>
+              </a:solidFill>
+            </a:endParaRPr>
+          </a:p>
+        </p:txBody>
+      </p:sp>
+      <p:sp>
+        <p:nvSpPr>
+          <p:cNvPr id="4" name="Title 3">
+            <a:extLst>
+              <a:ext uri="{FF2B5EF4-FFF2-40B4-BE49-F238E27FC236}">
+                <a16:creationId xmlns:a16="http://schemas.microsoft.com/office/drawing/2014/main" id="{FAC12D23-2926-4219-9DDF-0EA479B17A0D}"/>
+              </a:ext>
+            </a:extLst>
+          </p:cNvPr>
+          <p:cNvSpPr>
+            <a:spLocks noGrp="1"/>
+          </p:cNvSpPr>
+          <p:nvPr>
+            <p:ph type="title"/>
+          </p:nvPr>
+        </p:nvSpPr>
+        <p:spPr>
+          <a:xfrm>
+            <a:off x="21454" y="105220"/>
+            <a:ext cx="9144000" cy="731520"/>
+          </a:xfrm>
+        </p:spPr>
+        <p:txBody>
+          <a:bodyPr>
+            <a:normAutofit/>
+          </a:bodyPr>
+          <a:lstStyle/>
+          <a:p>
+            <a:r>
+              <a:rPr lang="en-US" sz="3200" dirty="0">
+                <a:solidFill>
+                  <a:schemeClr val="tx1"/>
+                </a:solidFill>
+              </a:rPr>
+              <a:t>Data Infrastructure Demands</a:t>
+            </a:r>
+          </a:p>
+        </p:txBody>
+      </p:sp>
+      <p:pic>
+        <p:nvPicPr>
+          <p:cNvPr id="5" name="Picture 4">
+            <a:extLst>
+              <a:ext uri="{FF2B5EF4-FFF2-40B4-BE49-F238E27FC236}">
+                <a16:creationId xmlns:a16="http://schemas.microsoft.com/office/drawing/2014/main" id="{56E9B235-9BBE-4BDD-B7C4-E179F6DEB3A1}"/>
+              </a:ext>
+            </a:extLst>
+          </p:cNvPr>
+          <p:cNvPicPr>
+            <a:picLocks noChangeAspect="1"/>
+          </p:cNvPicPr>
+          <p:nvPr/>
+        </p:nvPicPr>
+        <p:blipFill>
+          <a:blip r:embed="rId2"/>
+          <a:stretch>
+            <a:fillRect/>
+          </a:stretch>
+        </p:blipFill>
+        <p:spPr>
+          <a:xfrm>
+            <a:off x="24413" y="1295400"/>
+            <a:ext cx="9144000" cy="3751385"/>
+          </a:xfrm>
+          <a:prstGeom prst="rect">
+            <a:avLst/>
+          </a:prstGeom>
+        </p:spPr>
+      </p:pic>
+      <p:sp>
+        <p:nvSpPr>
+          <p:cNvPr id="6" name="TextBox 5">
+            <a:extLst>
+              <a:ext uri="{FF2B5EF4-FFF2-40B4-BE49-F238E27FC236}">
+                <a16:creationId xmlns:a16="http://schemas.microsoft.com/office/drawing/2014/main" id="{CADF203E-4A93-4B93-8111-4416D53D4B64}"/>
+              </a:ext>
+            </a:extLst>
+          </p:cNvPr>
+          <p:cNvSpPr txBox="1"/>
+          <p:nvPr/>
+        </p:nvSpPr>
+        <p:spPr>
+          <a:xfrm>
+            <a:off x="2514600" y="5062129"/>
+            <a:ext cx="5334000" cy="1200329"/>
+          </a:xfrm>
+          <a:prstGeom prst="rect">
+            <a:avLst/>
+          </a:prstGeom>
+          <a:noFill/>
+        </p:spPr>
+        <p:txBody>
+          <a:bodyPr wrap="square" rtlCol="0">
+            <a:spAutoFit/>
+          </a:bodyPr>
+          <a:lstStyle/>
+          <a:p>
+            <a:pPr algn="ctr"/>
+            <a:r>
+              <a:rPr lang="en-US" b="0" i="0" dirty="0">
+                <a:solidFill>
+                  <a:schemeClr val="bg2">
+                    <a:lumMod val="10000"/>
+                  </a:schemeClr>
+                </a:solidFill>
+                <a:effectLst/>
+                <a:latin typeface="source-serif-pro"/>
+              </a:rPr>
+              <a:t>Organizations must build the infrastructure to implement (and reap the benefits of) the most </a:t>
+            </a:r>
+            <a:r>
+              <a:rPr lang="en-US" dirty="0">
+                <a:solidFill>
+                  <a:schemeClr val="bg2">
+                    <a:lumMod val="10000"/>
+                  </a:schemeClr>
+                </a:solidFill>
+                <a:latin typeface="source-serif-pro"/>
+              </a:rPr>
+              <a:t>basic </a:t>
+            </a:r>
+            <a:r>
+              <a:rPr lang="en-US" dirty="0">
+                <a:solidFill>
+                  <a:schemeClr val="bg2">
+                    <a:lumMod val="10000"/>
+                  </a:schemeClr>
+                </a:solidFill>
+                <a:latin typeface="source-serif-pro"/>
+                <a:hlinkClick r:id="rId3">
+                  <a:extLst>
+                    <a:ext uri="{A12FA001-AC4F-418D-AE19-62706E023703}">
+                      <ahyp:hlinkClr xmlns:ahyp="http://schemas.microsoft.com/office/drawing/2018/hyperlinkcolor" val="tx"/>
+                    </a:ext>
+                  </a:extLst>
+                </a:hlinkClick>
+              </a:rPr>
+              <a:t>data science</a:t>
+            </a:r>
+            <a:r>
+              <a:rPr lang="en-US" dirty="0">
+                <a:solidFill>
+                  <a:schemeClr val="bg2">
+                    <a:lumMod val="10000"/>
+                  </a:schemeClr>
+                </a:solidFill>
+                <a:latin typeface="source-serif-pro"/>
+              </a:rPr>
+              <a:t> algorithms and operations, much less </a:t>
+            </a:r>
+            <a:r>
+              <a:rPr lang="en-US" dirty="0">
+                <a:solidFill>
+                  <a:schemeClr val="bg2">
+                    <a:lumMod val="10000"/>
+                  </a:schemeClr>
+                </a:solidFill>
+                <a:latin typeface="source-serif-pro"/>
+                <a:hlinkClick r:id="rId4">
+                  <a:extLst>
+                    <a:ext uri="{A12FA001-AC4F-418D-AE19-62706E023703}">
+                      <ahyp:hlinkClr xmlns:ahyp="http://schemas.microsoft.com/office/drawing/2018/hyperlinkcolor" val="tx"/>
+                    </a:ext>
+                  </a:extLst>
+                </a:hlinkClick>
+              </a:rPr>
+              <a:t>machine learning</a:t>
+            </a:r>
+            <a:r>
+              <a:rPr lang="en-US" dirty="0">
+                <a:solidFill>
+                  <a:schemeClr val="bg2">
+                    <a:lumMod val="10000"/>
+                  </a:schemeClr>
+                </a:solidFill>
+                <a:latin typeface="source-serif-pro"/>
+              </a:rPr>
+              <a:t>.</a:t>
+            </a:r>
+          </a:p>
+        </p:txBody>
+      </p:sp>
+      <p:sp>
+        <p:nvSpPr>
+          <p:cNvPr id="2" name="TextBox 1">
+            <a:extLst>
+              <a:ext uri="{FF2B5EF4-FFF2-40B4-BE49-F238E27FC236}">
+                <a16:creationId xmlns:a16="http://schemas.microsoft.com/office/drawing/2014/main" id="{2BE41C08-8430-3253-09AF-372B9775BD0F}"/>
+              </a:ext>
+            </a:extLst>
+          </p:cNvPr>
+          <p:cNvSpPr txBox="1"/>
+          <p:nvPr/>
+        </p:nvSpPr>
+        <p:spPr>
+          <a:xfrm>
+            <a:off x="7467600" y="6431304"/>
+            <a:ext cx="1298753" cy="246221"/>
+          </a:xfrm>
+          <a:prstGeom prst="rect">
+            <a:avLst/>
+          </a:prstGeom>
+          <a:noFill/>
+        </p:spPr>
+        <p:txBody>
+          <a:bodyPr wrap="none" rtlCol="0">
+            <a:spAutoFit/>
+          </a:bodyPr>
+          <a:lstStyle/>
+          <a:p>
+            <a:r>
+              <a:rPr lang="en-US" sz="1000" dirty="0">
+                <a:solidFill>
+                  <a:schemeClr val="bg2">
+                    <a:lumMod val="10000"/>
+                  </a:schemeClr>
+                </a:solidFill>
+                <a:latin typeface="source-serif-pro"/>
+              </a:rPr>
+              <a:t>Monica </a:t>
+            </a:r>
+            <a:r>
+              <a:rPr lang="en-US" sz="1000" dirty="0" err="1">
+                <a:solidFill>
+                  <a:schemeClr val="bg2">
+                    <a:lumMod val="10000"/>
+                  </a:schemeClr>
+                </a:solidFill>
+                <a:latin typeface="source-serif-pro"/>
+              </a:rPr>
+              <a:t>Rogatti</a:t>
+            </a:r>
+            <a:r>
+              <a:rPr lang="en-US" sz="1000" dirty="0">
+                <a:solidFill>
+                  <a:schemeClr val="bg2">
+                    <a:lumMod val="10000"/>
+                  </a:schemeClr>
+                </a:solidFill>
+                <a:latin typeface="source-serif-pro"/>
+              </a:rPr>
+              <a:t>, 2017</a:t>
+            </a:r>
+            <a:endParaRPr lang="en-US" sz="1000" dirty="0"/>
+          </a:p>
+        </p:txBody>
+      </p:sp>
+    </p:spTree>
+    <p:extLst>
+      <p:ext uri="{BB962C8B-B14F-4D97-AF65-F5344CB8AC3E}">
+        <p14:creationId xmlns:p14="http://schemas.microsoft.com/office/powerpoint/2010/main" val="3420539470"/>
+      </p:ext>
+    </p:extLst>
+  </p:cSld>
+  <p:clrMapOvr>
+    <a:masterClrMapping/>
+  </p:clrMapOvr>
+</p:sld>
+</file>
+
+<file path=ppt/slides/slide2.xml><?xml version="1.0" encoding="utf-8"?>
+<p:sld xmlns:a="http://schemas.openxmlformats.org/drawingml/2006/main" xmlns:r="http://schemas.openxmlformats.org/officeDocument/2006/relationships" xmlns:p="http://schemas.openxmlformats.org/presentationml/2006/main">
+  <p:cSld>
+    <p:spTree>
+      <p:nvGrpSpPr>
+        <p:cNvPr id="1" name=""/>
+        <p:cNvGrpSpPr/>
+        <p:nvPr/>
+      </p:nvGrpSpPr>
+      <p:grpSpPr>
+        <a:xfrm>
+          <a:off x="0" y="0"/>
+          <a:ext cx="0" cy="0"/>
+          <a:chOff x="0" y="0"/>
+          <a:chExt cx="0" cy="0"/>
+        </a:xfrm>
+      </p:grpSpPr>
       <p:grpSp>
         <p:nvGrpSpPr>
           <p:cNvPr id="12" name="Group 11">
@@ -5841,326 +6161,6 @@
 </p:sld>
 </file>
 
-<file path=ppt/slides/slide2.xml><?xml version="1.0" encoding="utf-8"?>
-<p:sld xmlns:a="http://schemas.openxmlformats.org/drawingml/2006/main" xmlns:r="http://schemas.openxmlformats.org/officeDocument/2006/relationships" xmlns:p="http://schemas.openxmlformats.org/presentationml/2006/main">
-  <p:cSld>
-    <p:spTree>
-      <p:nvGrpSpPr>
-        <p:cNvPr id="1" name=""/>
-        <p:cNvGrpSpPr/>
-        <p:nvPr/>
-      </p:nvGrpSpPr>
-      <p:grpSpPr>
-        <a:xfrm>
-          <a:off x="0" y="0"/>
-          <a:ext cx="0" cy="0"/>
-          <a:chOff x="0" y="0"/>
-          <a:chExt cx="0" cy="0"/>
-        </a:xfrm>
-      </p:grpSpPr>
-      <p:sp>
-        <p:nvSpPr>
-          <p:cNvPr id="3" name="Slide Number Placeholder 2">
-            <a:extLst>
-              <a:ext uri="{FF2B5EF4-FFF2-40B4-BE49-F238E27FC236}">
-                <a16:creationId xmlns:a16="http://schemas.microsoft.com/office/drawing/2014/main" id="{C3E3BAE3-590C-4C55-93C6-A58CA65F8B11}"/>
-              </a:ext>
-            </a:extLst>
-          </p:cNvPr>
-          <p:cNvSpPr>
-            <a:spLocks noGrp="1"/>
-          </p:cNvSpPr>
-          <p:nvPr>
-            <p:ph type="sldNum" sz="quarter" idx="4294967295"/>
-          </p:nvPr>
-        </p:nvSpPr>
-        <p:spPr>
-          <a:xfrm>
-            <a:off x="8686800" y="6400232"/>
-            <a:ext cx="384630" cy="365125"/>
-          </a:xfrm>
-        </p:spPr>
-        <p:txBody>
-          <a:bodyPr/>
-          <a:lstStyle/>
-          <a:p>
-            <a:fld id="{D983F1FA-211D-3044-9E35-958DFBC26156}" type="slidenum">
-              <a:rPr lang="en-US" smtClean="0">
-                <a:solidFill>
-                  <a:prstClr val="white"/>
-                </a:solidFill>
-              </a:rPr>
-              <a:pPr/>
-              <a:t>2</a:t>
-            </a:fld>
-            <a:endParaRPr lang="en-US" dirty="0">
-              <a:solidFill>
-                <a:prstClr val="white"/>
-              </a:solidFill>
-            </a:endParaRPr>
-          </a:p>
-        </p:txBody>
-      </p:sp>
-      <p:sp>
-        <p:nvSpPr>
-          <p:cNvPr id="4" name="Title 3">
-            <a:extLst>
-              <a:ext uri="{FF2B5EF4-FFF2-40B4-BE49-F238E27FC236}">
-                <a16:creationId xmlns:a16="http://schemas.microsoft.com/office/drawing/2014/main" id="{FAC12D23-2926-4219-9DDF-0EA479B17A0D}"/>
-              </a:ext>
-            </a:extLst>
-          </p:cNvPr>
-          <p:cNvSpPr>
-            <a:spLocks noGrp="1"/>
-          </p:cNvSpPr>
-          <p:nvPr>
-            <p:ph type="title"/>
-          </p:nvPr>
-        </p:nvSpPr>
-        <p:spPr>
-          <a:xfrm>
-            <a:off x="21454" y="105220"/>
-            <a:ext cx="9144000" cy="731520"/>
-          </a:xfrm>
-        </p:spPr>
-        <p:txBody>
-          <a:bodyPr>
-            <a:normAutofit/>
-          </a:bodyPr>
-          <a:lstStyle/>
-          <a:p>
-            <a:r>
-              <a:rPr lang="en-US" sz="3200" dirty="0">
-                <a:solidFill>
-                  <a:schemeClr val="tx1"/>
-                </a:solidFill>
-              </a:rPr>
-              <a:t>Data Infrastructure Demands</a:t>
-            </a:r>
-          </a:p>
-        </p:txBody>
-      </p:sp>
-      <p:pic>
-        <p:nvPicPr>
-          <p:cNvPr id="5" name="Picture 4">
-            <a:extLst>
-              <a:ext uri="{FF2B5EF4-FFF2-40B4-BE49-F238E27FC236}">
-                <a16:creationId xmlns:a16="http://schemas.microsoft.com/office/drawing/2014/main" id="{56E9B235-9BBE-4BDD-B7C4-E179F6DEB3A1}"/>
-              </a:ext>
-            </a:extLst>
-          </p:cNvPr>
-          <p:cNvPicPr>
-            <a:picLocks noChangeAspect="1"/>
-          </p:cNvPicPr>
-          <p:nvPr/>
-        </p:nvPicPr>
-        <p:blipFill>
-          <a:blip r:embed="rId2"/>
-          <a:stretch>
-            <a:fillRect/>
-          </a:stretch>
-        </p:blipFill>
-        <p:spPr>
-          <a:xfrm>
-            <a:off x="24413" y="1295400"/>
-            <a:ext cx="9144000" cy="3751385"/>
-          </a:xfrm>
-          <a:prstGeom prst="rect">
-            <a:avLst/>
-          </a:prstGeom>
-        </p:spPr>
-      </p:pic>
-      <p:sp>
-        <p:nvSpPr>
-          <p:cNvPr id="6" name="TextBox 5">
-            <a:extLst>
-              <a:ext uri="{FF2B5EF4-FFF2-40B4-BE49-F238E27FC236}">
-                <a16:creationId xmlns:a16="http://schemas.microsoft.com/office/drawing/2014/main" id="{CADF203E-4A93-4B93-8111-4416D53D4B64}"/>
-              </a:ext>
-            </a:extLst>
-          </p:cNvPr>
-          <p:cNvSpPr txBox="1"/>
-          <p:nvPr/>
-        </p:nvSpPr>
-        <p:spPr>
-          <a:xfrm>
-            <a:off x="2514600" y="5062129"/>
-            <a:ext cx="5334000" cy="1200329"/>
-          </a:xfrm>
-          <a:prstGeom prst="rect">
-            <a:avLst/>
-          </a:prstGeom>
-          <a:noFill/>
-        </p:spPr>
-        <p:txBody>
-          <a:bodyPr wrap="square" rtlCol="0">
-            <a:spAutoFit/>
-          </a:bodyPr>
-          <a:lstStyle/>
-          <a:p>
-            <a:pPr algn="ctr"/>
-            <a:r>
-              <a:rPr lang="en-US" b="0" i="0" dirty="0">
-                <a:solidFill>
-                  <a:schemeClr val="bg2">
-                    <a:lumMod val="10000"/>
-                  </a:schemeClr>
-                </a:solidFill>
-                <a:effectLst/>
-                <a:latin typeface="source-serif-pro"/>
-              </a:rPr>
-              <a:t>Organizations must build the infrastructure to implement (and reap the benefits of) the most </a:t>
-            </a:r>
-            <a:r>
-              <a:rPr lang="en-US" dirty="0">
-                <a:solidFill>
-                  <a:schemeClr val="bg2">
-                    <a:lumMod val="10000"/>
-                  </a:schemeClr>
-                </a:solidFill>
-                <a:latin typeface="source-serif-pro"/>
-              </a:rPr>
-              <a:t>basic </a:t>
-            </a:r>
-            <a:r>
-              <a:rPr lang="en-US" dirty="0">
-                <a:solidFill>
-                  <a:schemeClr val="bg2">
-                    <a:lumMod val="10000"/>
-                  </a:schemeClr>
-                </a:solidFill>
-                <a:latin typeface="source-serif-pro"/>
-                <a:hlinkClick r:id="rId3">
-                  <a:extLst>
-                    <a:ext uri="{A12FA001-AC4F-418D-AE19-62706E023703}">
-                      <ahyp:hlinkClr xmlns:ahyp="http://schemas.microsoft.com/office/drawing/2018/hyperlinkcolor" val="tx"/>
-                    </a:ext>
-                  </a:extLst>
-                </a:hlinkClick>
-              </a:rPr>
-              <a:t>data science</a:t>
-            </a:r>
-            <a:r>
-              <a:rPr lang="en-US" dirty="0">
-                <a:solidFill>
-                  <a:schemeClr val="bg2">
-                    <a:lumMod val="10000"/>
-                  </a:schemeClr>
-                </a:solidFill>
-                <a:latin typeface="source-serif-pro"/>
-              </a:rPr>
-              <a:t> algorithms and operations, much less </a:t>
-            </a:r>
-            <a:r>
-              <a:rPr lang="en-US" dirty="0">
-                <a:solidFill>
-                  <a:schemeClr val="bg2">
-                    <a:lumMod val="10000"/>
-                  </a:schemeClr>
-                </a:solidFill>
-                <a:latin typeface="source-serif-pro"/>
-                <a:hlinkClick r:id="rId4">
-                  <a:extLst>
-                    <a:ext uri="{A12FA001-AC4F-418D-AE19-62706E023703}">
-                      <ahyp:hlinkClr xmlns:ahyp="http://schemas.microsoft.com/office/drawing/2018/hyperlinkcolor" val="tx"/>
-                    </a:ext>
-                  </a:extLst>
-                </a:hlinkClick>
-              </a:rPr>
-              <a:t>machine learning</a:t>
-            </a:r>
-            <a:r>
-              <a:rPr lang="en-US" dirty="0">
-                <a:solidFill>
-                  <a:schemeClr val="bg2">
-                    <a:lumMod val="10000"/>
-                  </a:schemeClr>
-                </a:solidFill>
-                <a:latin typeface="source-serif-pro"/>
-              </a:rPr>
-              <a:t>.</a:t>
-            </a:r>
-          </a:p>
-        </p:txBody>
-      </p:sp>
-      <p:sp>
-        <p:nvSpPr>
-          <p:cNvPr id="2" name="TextBox 1">
-            <a:extLst>
-              <a:ext uri="{FF2B5EF4-FFF2-40B4-BE49-F238E27FC236}">
-                <a16:creationId xmlns:a16="http://schemas.microsoft.com/office/drawing/2014/main" id="{2BE41C08-8430-3253-09AF-372B9775BD0F}"/>
-              </a:ext>
-            </a:extLst>
-          </p:cNvPr>
-          <p:cNvSpPr txBox="1"/>
-          <p:nvPr/>
-        </p:nvSpPr>
-        <p:spPr>
-          <a:xfrm>
-            <a:off x="7467600" y="6431304"/>
-            <a:ext cx="1298753" cy="246221"/>
-          </a:xfrm>
-          <a:prstGeom prst="rect">
-            <a:avLst/>
-          </a:prstGeom>
-          <a:noFill/>
-        </p:spPr>
-        <p:txBody>
-          <a:bodyPr wrap="none" rtlCol="0">
-            <a:spAutoFit/>
-          </a:bodyPr>
-          <a:lstStyle/>
-          <a:p>
-            <a:r>
-              <a:rPr lang="en-US" sz="1000" dirty="0">
-                <a:solidFill>
-                  <a:schemeClr val="bg2">
-                    <a:lumMod val="10000"/>
-                  </a:schemeClr>
-                </a:solidFill>
-                <a:latin typeface="source-serif-pro"/>
-              </a:rPr>
-              <a:t>Monica </a:t>
-            </a:r>
-            <a:r>
-              <a:rPr lang="en-US" sz="1000" dirty="0" err="1">
-                <a:solidFill>
-                  <a:schemeClr val="bg2">
-                    <a:lumMod val="10000"/>
-                  </a:schemeClr>
-                </a:solidFill>
-                <a:latin typeface="source-serif-pro"/>
-              </a:rPr>
-              <a:t>Rogatti</a:t>
-            </a:r>
-            <a:r>
-              <a:rPr lang="en-US" sz="1000" dirty="0">
-                <a:solidFill>
-                  <a:schemeClr val="bg2">
-                    <a:lumMod val="10000"/>
-                  </a:schemeClr>
-                </a:solidFill>
-                <a:latin typeface="source-serif-pro"/>
-              </a:rPr>
-              <a:t>, 2017</a:t>
-            </a:r>
-            <a:endParaRPr lang="en-US" sz="1000" dirty="0"/>
-          </a:p>
-        </p:txBody>
-      </p:sp>
-    </p:spTree>
-    <p:extLst>
-      <p:ext uri="{BB962C8B-B14F-4D97-AF65-F5344CB8AC3E}">
-        <p14:creationId xmlns:p14="http://schemas.microsoft.com/office/powerpoint/2010/main" val="3420539470"/>
-      </p:ext>
-    </p:extLst>
-  </p:cSld>
-  <p:clrMapOvr>
-    <a:masterClrMapping/>
-  </p:clrMapOvr>
-</p:sld>
-</file>
-
 <file path=ppt/slides/slide3.xml><?xml version="1.0" encoding="utf-8"?>
 <p:sld xmlns:a="http://schemas.openxmlformats.org/drawingml/2006/main" xmlns:r="http://schemas.openxmlformats.org/officeDocument/2006/relationships" xmlns:p="http://schemas.openxmlformats.org/presentationml/2006/main">
   <p:cSld>
@@ -6322,10 +6322,10 @@
         </p:nvGrpSpPr>
         <p:grpSpPr>
           <a:xfrm>
-            <a:off x="415233" y="2295402"/>
-            <a:ext cx="5944945" cy="2809998"/>
-            <a:chOff x="455855" y="1571606"/>
-            <a:chExt cx="8385631" cy="4433900"/>
+            <a:off x="242886" y="2326275"/>
+            <a:ext cx="5156942" cy="2733407"/>
+            <a:chOff x="554075" y="1708063"/>
+            <a:chExt cx="8385631" cy="4085095"/>
           </a:xfrm>
         </p:grpSpPr>
         <p:pic>
@@ -6355,8 +6355,8 @@
           </p:blipFill>
           <p:spPr>
             <a:xfrm>
-              <a:off x="455855" y="1571606"/>
-              <a:ext cx="8385631" cy="4023707"/>
+              <a:off x="554075" y="1708063"/>
+              <a:ext cx="8385631" cy="4023708"/>
             </a:xfrm>
             <a:prstGeom prst="rect">
               <a:avLst/>
@@ -6365,10 +6365,10 @@
         </p:pic>
         <p:sp>
           <p:nvSpPr>
-            <p:cNvPr id="11" name="Oval 10">
+            <p:cNvPr id="12" name="Oval 11">
               <a:extLst>
                 <a:ext uri="{FF2B5EF4-FFF2-40B4-BE49-F238E27FC236}">
-                  <a16:creationId xmlns:a16="http://schemas.microsoft.com/office/drawing/2014/main" id="{49EFF5CA-4169-4B0E-8BE9-19ECB592AA00}"/>
+                  <a16:creationId xmlns:a16="http://schemas.microsoft.com/office/drawing/2014/main" id="{C6EBAC46-4524-4CFC-A2E9-90A253BE35B3}"/>
                 </a:ext>
               </a:extLst>
             </p:cNvPr>
@@ -6377,8 +6377,8 @@
           </p:nvSpPr>
           <p:spPr>
             <a:xfrm rot="18581579">
-              <a:off x="1887394" y="4932737"/>
-              <a:ext cx="1647812" cy="497725"/>
+              <a:off x="2528077" y="4275598"/>
+              <a:ext cx="1855741" cy="1179379"/>
             </a:xfrm>
             <a:prstGeom prst="ellipse">
               <a:avLst/>
@@ -6404,24 +6404,24 @@
             <a:p>
               <a:pPr algn="ctr"/>
               <a:r>
-                <a:rPr lang="en-US" sz="800" dirty="0">
+                <a:rPr lang="en-US" sz="1100" dirty="0">
                   <a:solidFill>
                     <a:schemeClr val="tx2">
                       <a:lumMod val="75000"/>
                     </a:schemeClr>
                   </a:solidFill>
                 </a:rPr>
-                <a:t>Data Request Personnel</a:t>
+                <a:t>BI / Data Analysts</a:t>
               </a:r>
             </a:p>
           </p:txBody>
         </p:sp>
         <p:sp>
           <p:nvSpPr>
-            <p:cNvPr id="12" name="Oval 11">
+            <p:cNvPr id="13" name="Oval 12">
               <a:extLst>
                 <a:ext uri="{FF2B5EF4-FFF2-40B4-BE49-F238E27FC236}">
-                  <a16:creationId xmlns:a16="http://schemas.microsoft.com/office/drawing/2014/main" id="{C6EBAC46-4524-4CFC-A2E9-90A253BE35B3}"/>
+                  <a16:creationId xmlns:a16="http://schemas.microsoft.com/office/drawing/2014/main" id="{C1B9CE42-3AB1-4D8D-B898-A8E63F67C4C3}"/>
                 </a:ext>
               </a:extLst>
             </p:cNvPr>
@@ -6430,8 +6430,8 @@
           </p:nvSpPr>
           <p:spPr>
             <a:xfrm rot="18581579">
-              <a:off x="2757908" y="3707849"/>
-              <a:ext cx="1655286" cy="606422"/>
+              <a:off x="4059706" y="2482765"/>
+              <a:ext cx="1824370" cy="1154176"/>
             </a:xfrm>
             <a:prstGeom prst="ellipse">
               <a:avLst/>
@@ -6457,67 +6457,14 @@
             <a:p>
               <a:pPr algn="ctr"/>
               <a:r>
-                <a:rPr lang="en-US" sz="700" dirty="0">
+                <a:rPr lang="en-US" sz="1100" dirty="0">
                   <a:solidFill>
                     <a:schemeClr val="tx2">
                       <a:lumMod val="75000"/>
                     </a:schemeClr>
                   </a:solidFill>
                 </a:rPr>
-                <a:t>Business Intelligence Analysts</a:t>
-              </a:r>
-            </a:p>
-          </p:txBody>
-        </p:sp>
-        <p:sp>
-          <p:nvSpPr>
-            <p:cNvPr id="13" name="Oval 12">
-              <a:extLst>
-                <a:ext uri="{FF2B5EF4-FFF2-40B4-BE49-F238E27FC236}">
-                  <a16:creationId xmlns:a16="http://schemas.microsoft.com/office/drawing/2014/main" id="{C1B9CE42-3AB1-4D8D-B898-A8E63F67C4C3}"/>
-                </a:ext>
-              </a:extLst>
-            </p:cNvPr>
-            <p:cNvSpPr/>
-            <p:nvPr/>
-          </p:nvSpPr>
-          <p:spPr>
-            <a:xfrm rot="18581579">
-              <a:off x="3584045" y="2597605"/>
-              <a:ext cx="1980483" cy="555082"/>
-            </a:xfrm>
-            <a:prstGeom prst="ellipse">
-              <a:avLst/>
-            </a:prstGeom>
-          </p:spPr>
-          <p:style>
-            <a:lnRef idx="1">
-              <a:schemeClr val="accent1"/>
-            </a:lnRef>
-            <a:fillRef idx="3">
-              <a:schemeClr val="accent1"/>
-            </a:fillRef>
-            <a:effectRef idx="2">
-              <a:schemeClr val="accent1"/>
-            </a:effectRef>
-            <a:fontRef idx="minor">
-              <a:schemeClr val="lt1"/>
-            </a:fontRef>
-          </p:style>
-          <p:txBody>
-            <a:bodyPr rtlCol="0" anchor="ctr"/>
-            <a:lstStyle/>
-            <a:p>
-              <a:pPr algn="ctr"/>
-              <a:r>
-                <a:rPr lang="en-US" sz="700" dirty="0">
-                  <a:solidFill>
-                    <a:schemeClr val="tx2">
-                      <a:lumMod val="75000"/>
-                    </a:schemeClr>
-                  </a:solidFill>
-                </a:rPr>
-                <a:t>Advanced Analyst/ Statistician</a:t>
+                <a:t>Data Scientists / Statisticians</a:t>
               </a:r>
             </a:p>
           </p:txBody>
@@ -6552,8 +6499,8 @@
         </p:blipFill>
         <p:spPr bwMode="auto">
           <a:xfrm>
-            <a:off x="4608465" y="2928150"/>
-            <a:ext cx="4205252" cy="2964030"/>
+            <a:off x="3891951" y="1866360"/>
+            <a:ext cx="5210259" cy="4723832"/>
           </a:xfrm>
           <a:prstGeom prst="rect">
             <a:avLst/>
@@ -6583,43 +6530,9 @@
           <p:nvPr/>
         </p:nvSpPr>
         <p:spPr>
-          <a:xfrm rot="1756288">
-            <a:off x="3508505" y="1853511"/>
-            <a:ext cx="2103530" cy="3609542"/>
-          </a:xfrm>
-          <a:prstGeom prst="rect">
-            <a:avLst/>
-          </a:prstGeom>
-          <a:solidFill>
-            <a:schemeClr val="bg1"/>
-          </a:solidFill>
-        </p:spPr>
-        <p:txBody>
-          <a:bodyPr wrap="square" rtlCol="0">
-            <a:spAutoFit/>
-          </a:bodyPr>
-          <a:lstStyle/>
-          <a:p>
-            <a:endParaRPr lang="en-US" dirty="0"/>
-          </a:p>
-        </p:txBody>
-      </p:sp>
-      <p:sp>
-        <p:nvSpPr>
-          <p:cNvPr id="17" name="TextBox 16">
-            <a:extLst>
-              <a:ext uri="{FF2B5EF4-FFF2-40B4-BE49-F238E27FC236}">
-                <a16:creationId xmlns:a16="http://schemas.microsoft.com/office/drawing/2014/main" id="{E2BC86EE-94F5-4137-9E65-37489B9848C9}"/>
-              </a:ext>
-            </a:extLst>
-          </p:cNvPr>
-          <p:cNvSpPr txBox="1"/>
-          <p:nvPr/>
-        </p:nvSpPr>
-        <p:spPr>
-          <a:xfrm>
-            <a:off x="3911806" y="2408695"/>
-            <a:ext cx="1254089" cy="369332"/>
+          <a:xfrm rot="1325161">
+            <a:off x="3310091" y="1850002"/>
+            <a:ext cx="1594812" cy="3546345"/>
           </a:xfrm>
           <a:prstGeom prst="rect">
             <a:avLst/>
@@ -6652,8 +6565,8 @@
         </p:nvSpPr>
         <p:spPr>
           <a:xfrm>
-            <a:off x="4027578" y="2921426"/>
-            <a:ext cx="1321141" cy="221254"/>
+            <a:off x="3626953" y="2900771"/>
+            <a:ext cx="1436439" cy="633862"/>
           </a:xfrm>
           <a:prstGeom prst="rightArrow">
             <a:avLst/>
@@ -6684,10 +6597,10 @@
       </p:sp>
       <p:sp>
         <p:nvSpPr>
-          <p:cNvPr id="20" name="Arrow: Right 19">
+          <p:cNvPr id="21" name="Arrow: Right 20">
             <a:extLst>
               <a:ext uri="{FF2B5EF4-FFF2-40B4-BE49-F238E27FC236}">
-                <a16:creationId xmlns:a16="http://schemas.microsoft.com/office/drawing/2014/main" id="{D50F14D0-9520-4B26-BD21-C23373FC66BD}"/>
+                <a16:creationId xmlns:a16="http://schemas.microsoft.com/office/drawing/2014/main" id="{2BB317C3-1484-4793-A747-9467958EAF05}"/>
               </a:ext>
             </a:extLst>
           </p:cNvPr>
@@ -6696,8 +6609,8 @@
         </p:nvSpPr>
         <p:spPr>
           <a:xfrm>
-            <a:off x="3559243" y="3730786"/>
-            <a:ext cx="1321141" cy="221254"/>
+            <a:off x="2695382" y="4195572"/>
+            <a:ext cx="1523816" cy="578953"/>
           </a:xfrm>
           <a:prstGeom prst="rightArrow">
             <a:avLst/>
@@ -6726,50 +6639,6 @@
           </a:p>
         </p:txBody>
       </p:sp>
-      <p:sp>
-        <p:nvSpPr>
-          <p:cNvPr id="21" name="Arrow: Right 20">
-            <a:extLst>
-              <a:ext uri="{FF2B5EF4-FFF2-40B4-BE49-F238E27FC236}">
-                <a16:creationId xmlns:a16="http://schemas.microsoft.com/office/drawing/2014/main" id="{2BB317C3-1484-4793-A747-9467958EAF05}"/>
-              </a:ext>
-            </a:extLst>
-          </p:cNvPr>
-          <p:cNvSpPr/>
-          <p:nvPr/>
-        </p:nvSpPr>
-        <p:spPr>
-          <a:xfrm>
-            <a:off x="3085027" y="4540146"/>
-            <a:ext cx="1321141" cy="221254"/>
-          </a:xfrm>
-          <a:prstGeom prst="rightArrow">
-            <a:avLst/>
-          </a:prstGeom>
-        </p:spPr>
-        <p:style>
-          <a:lnRef idx="1">
-            <a:schemeClr val="accent1"/>
-          </a:lnRef>
-          <a:fillRef idx="3">
-            <a:schemeClr val="accent1"/>
-          </a:fillRef>
-          <a:effectRef idx="2">
-            <a:schemeClr val="accent1"/>
-          </a:effectRef>
-          <a:fontRef idx="minor">
-            <a:schemeClr val="lt1"/>
-          </a:fontRef>
-        </p:style>
-        <p:txBody>
-          <a:bodyPr rtlCol="0" anchor="ctr"/>
-          <a:lstStyle/>
-          <a:p>
-            <a:pPr algn="ctr"/>
-            <a:endParaRPr lang="en-US"/>
-          </a:p>
-        </p:txBody>
-      </p:sp>
       <p:cxnSp>
         <p:nvCxnSpPr>
           <p:cNvPr id="22" name="Straight Connector 21">
@@ -6779,13 +6648,15 @@
               </a:ext>
             </a:extLst>
           </p:cNvPr>
-          <p:cNvCxnSpPr/>
+          <p:cNvCxnSpPr>
+            <a:cxnSpLocks/>
+          </p:cNvCxnSpPr>
           <p:nvPr/>
         </p:nvCxnSpPr>
         <p:spPr>
-          <a:xfrm flipV="1">
-            <a:off x="752758" y="4876800"/>
-            <a:ext cx="7781642" cy="10302"/>
+          <a:xfrm>
+            <a:off x="269289" y="5015837"/>
+            <a:ext cx="8534400" cy="0"/>
           </a:xfrm>
           <a:prstGeom prst="line">
             <a:avLst/>
@@ -6826,7 +6697,7 @@
         </p:nvSpPr>
         <p:spPr>
           <a:xfrm>
-            <a:off x="3124200" y="4896441"/>
+            <a:off x="1822913" y="5049709"/>
             <a:ext cx="1832384" cy="646331"/>
           </a:xfrm>
           <a:prstGeom prst="rect">
@@ -6873,7 +6744,7 @@
         </p:nvSpPr>
         <p:spPr>
           <a:xfrm>
-            <a:off x="990600" y="1143000"/>
+            <a:off x="955089" y="575474"/>
             <a:ext cx="7162800" cy="646331"/>
           </a:xfrm>
           <a:prstGeom prst="rect">
@@ -6899,6 +6770,491 @@
           </a:p>
         </p:txBody>
       </p:sp>
+      <p:sp>
+        <p:nvSpPr>
+          <p:cNvPr id="2" name="Rectangle 1">
+            <a:extLst>
+              <a:ext uri="{FF2B5EF4-FFF2-40B4-BE49-F238E27FC236}">
+                <a16:creationId xmlns:a16="http://schemas.microsoft.com/office/drawing/2014/main" id="{5CD2AB3E-8631-BE67-E4D9-6CA698C6F063}"/>
+              </a:ext>
+            </a:extLst>
+          </p:cNvPr>
+          <p:cNvSpPr/>
+          <p:nvPr/>
+        </p:nvSpPr>
+        <p:spPr>
+          <a:xfrm>
+            <a:off x="3043943" y="2226691"/>
+            <a:ext cx="1037424" cy="318425"/>
+          </a:xfrm>
+          <a:prstGeom prst="rect">
+            <a:avLst/>
+          </a:prstGeom>
+          <a:solidFill>
+            <a:schemeClr val="bg1"/>
+          </a:solidFill>
+          <a:ln>
+            <a:solidFill>
+              <a:schemeClr val="bg1"/>
+            </a:solidFill>
+          </a:ln>
+          <a:effectLst/>
+        </p:spPr>
+        <p:style>
+          <a:lnRef idx="1">
+            <a:schemeClr val="accent1"/>
+          </a:lnRef>
+          <a:fillRef idx="3">
+            <a:schemeClr val="accent1"/>
+          </a:fillRef>
+          <a:effectRef idx="2">
+            <a:schemeClr val="accent1"/>
+          </a:effectRef>
+          <a:fontRef idx="minor">
+            <a:schemeClr val="lt1"/>
+          </a:fontRef>
+        </p:style>
+        <p:txBody>
+          <a:bodyPr rtlCol="0" anchor="ctr"/>
+          <a:lstStyle/>
+          <a:p>
+            <a:pPr algn="ctr"/>
+            <a:endParaRPr lang="en-US"/>
+          </a:p>
+        </p:txBody>
+      </p:sp>
+      <p:sp>
+        <p:nvSpPr>
+          <p:cNvPr id="14" name="Freeform: Shape 13">
+            <a:extLst>
+              <a:ext uri="{FF2B5EF4-FFF2-40B4-BE49-F238E27FC236}">
+                <a16:creationId xmlns:a16="http://schemas.microsoft.com/office/drawing/2014/main" id="{76E63546-A128-71C4-428A-27E4EB049B9B}"/>
+              </a:ext>
+            </a:extLst>
+          </p:cNvPr>
+          <p:cNvSpPr/>
+          <p:nvPr/>
+        </p:nvSpPr>
+        <p:spPr>
+          <a:xfrm>
+            <a:off x="3182116" y="2495013"/>
+            <a:ext cx="497150" cy="399495"/>
+          </a:xfrm>
+          <a:custGeom>
+            <a:avLst/>
+            <a:gdLst>
+              <a:gd name="connsiteX0" fmla="*/ 0 w 497150"/>
+              <a:gd name="connsiteY0" fmla="*/ 195309 h 399495"/>
+              <a:gd name="connsiteX1" fmla="*/ 0 w 497150"/>
+              <a:gd name="connsiteY1" fmla="*/ 195309 h 399495"/>
+              <a:gd name="connsiteX2" fmla="*/ 79899 w 497150"/>
+              <a:gd name="connsiteY2" fmla="*/ 204186 h 399495"/>
+              <a:gd name="connsiteX3" fmla="*/ 142043 w 497150"/>
+              <a:gd name="connsiteY3" fmla="*/ 230819 h 399495"/>
+              <a:gd name="connsiteX4" fmla="*/ 168676 w 497150"/>
+              <a:gd name="connsiteY4" fmla="*/ 248575 h 399495"/>
+              <a:gd name="connsiteX5" fmla="*/ 239697 w 497150"/>
+              <a:gd name="connsiteY5" fmla="*/ 319596 h 399495"/>
+              <a:gd name="connsiteX6" fmla="*/ 248575 w 497150"/>
+              <a:gd name="connsiteY6" fmla="*/ 363984 h 399495"/>
+              <a:gd name="connsiteX7" fmla="*/ 275208 w 497150"/>
+              <a:gd name="connsiteY7" fmla="*/ 399495 h 399495"/>
+              <a:gd name="connsiteX8" fmla="*/ 488272 w 497150"/>
+              <a:gd name="connsiteY8" fmla="*/ 257452 h 399495"/>
+              <a:gd name="connsiteX9" fmla="*/ 497150 w 497150"/>
+              <a:gd name="connsiteY9" fmla="*/ 35511 h 399495"/>
+              <a:gd name="connsiteX10" fmla="*/ 8878 w 497150"/>
+              <a:gd name="connsiteY10" fmla="*/ 0 h 399495"/>
+              <a:gd name="connsiteX11" fmla="*/ 0 w 497150"/>
+              <a:gd name="connsiteY11" fmla="*/ 195309 h 399495"/>
+            </a:gdLst>
+            <a:ahLst/>
+            <a:cxnLst>
+              <a:cxn ang="0">
+                <a:pos x="connsiteX0" y="connsiteY0"/>
+              </a:cxn>
+              <a:cxn ang="0">
+                <a:pos x="connsiteX1" y="connsiteY1"/>
+              </a:cxn>
+              <a:cxn ang="0">
+                <a:pos x="connsiteX2" y="connsiteY2"/>
+              </a:cxn>
+              <a:cxn ang="0">
+                <a:pos x="connsiteX3" y="connsiteY3"/>
+              </a:cxn>
+              <a:cxn ang="0">
+                <a:pos x="connsiteX4" y="connsiteY4"/>
+              </a:cxn>
+              <a:cxn ang="0">
+                <a:pos x="connsiteX5" y="connsiteY5"/>
+              </a:cxn>
+              <a:cxn ang="0">
+                <a:pos x="connsiteX6" y="connsiteY6"/>
+              </a:cxn>
+              <a:cxn ang="0">
+                <a:pos x="connsiteX7" y="connsiteY7"/>
+              </a:cxn>
+              <a:cxn ang="0">
+                <a:pos x="connsiteX8" y="connsiteY8"/>
+              </a:cxn>
+              <a:cxn ang="0">
+                <a:pos x="connsiteX9" y="connsiteY9"/>
+              </a:cxn>
+              <a:cxn ang="0">
+                <a:pos x="connsiteX10" y="connsiteY10"/>
+              </a:cxn>
+              <a:cxn ang="0">
+                <a:pos x="connsiteX11" y="connsiteY11"/>
+              </a:cxn>
+            </a:cxnLst>
+            <a:rect l="l" t="t" r="r" b="b"/>
+            <a:pathLst>
+              <a:path w="497150" h="399495">
+                <a:moveTo>
+                  <a:pt x="0" y="195309"/>
+                </a:moveTo>
+                <a:lnTo>
+                  <a:pt x="0" y="195309"/>
+                </a:lnTo>
+                <a:cubicBezTo>
+                  <a:pt x="26633" y="198268"/>
+                  <a:pt x="53467" y="199781"/>
+                  <a:pt x="79899" y="204186"/>
+                </a:cubicBezTo>
+                <a:cubicBezTo>
+                  <a:pt x="97473" y="207115"/>
+                  <a:pt x="128729" y="223211"/>
+                  <a:pt x="142043" y="230819"/>
+                </a:cubicBezTo>
+                <a:cubicBezTo>
+                  <a:pt x="151307" y="236113"/>
+                  <a:pt x="160781" y="241398"/>
+                  <a:pt x="168676" y="248575"/>
+                </a:cubicBezTo>
+                <a:cubicBezTo>
+                  <a:pt x="193449" y="271096"/>
+                  <a:pt x="239697" y="319596"/>
+                  <a:pt x="239697" y="319596"/>
+                </a:cubicBezTo>
+                <a:cubicBezTo>
+                  <a:pt x="242656" y="334392"/>
+                  <a:pt x="241089" y="350883"/>
+                  <a:pt x="248575" y="363984"/>
+                </a:cubicBezTo>
+                <a:cubicBezTo>
+                  <a:pt x="280132" y="419209"/>
+                  <a:pt x="275208" y="352108"/>
+                  <a:pt x="275208" y="399495"/>
+                </a:cubicBezTo>
+                <a:lnTo>
+                  <a:pt x="488272" y="257452"/>
+                </a:lnTo>
+                <a:lnTo>
+                  <a:pt x="497150" y="35511"/>
+                </a:lnTo>
+                <a:lnTo>
+                  <a:pt x="8878" y="0"/>
+                </a:lnTo>
+                <a:lnTo>
+                  <a:pt x="0" y="195309"/>
+                </a:lnTo>
+                <a:close/>
+              </a:path>
+            </a:pathLst>
+          </a:custGeom>
+          <a:solidFill>
+            <a:schemeClr val="bg1"/>
+          </a:solidFill>
+          <a:ln>
+            <a:solidFill>
+              <a:schemeClr val="bg1"/>
+            </a:solidFill>
+          </a:ln>
+          <a:effectLst/>
+        </p:spPr>
+        <p:style>
+          <a:lnRef idx="1">
+            <a:schemeClr val="accent1"/>
+          </a:lnRef>
+          <a:fillRef idx="3">
+            <a:schemeClr val="accent1"/>
+          </a:fillRef>
+          <a:effectRef idx="2">
+            <a:schemeClr val="accent1"/>
+          </a:effectRef>
+          <a:fontRef idx="minor">
+            <a:schemeClr val="lt1"/>
+          </a:fontRef>
+        </p:style>
+        <p:txBody>
+          <a:bodyPr rtlCol="0" anchor="ctr"/>
+          <a:lstStyle/>
+          <a:p>
+            <a:pPr algn="ctr"/>
+            <a:endParaRPr lang="en-US"/>
+          </a:p>
+        </p:txBody>
+      </p:sp>
+      <p:sp>
+        <p:nvSpPr>
+          <p:cNvPr id="19" name="Freeform: Shape 18">
+            <a:extLst>
+              <a:ext uri="{FF2B5EF4-FFF2-40B4-BE49-F238E27FC236}">
+                <a16:creationId xmlns:a16="http://schemas.microsoft.com/office/drawing/2014/main" id="{BEB2D4AC-84B2-CA96-A768-03502A696972}"/>
+              </a:ext>
+            </a:extLst>
+          </p:cNvPr>
+          <p:cNvSpPr/>
+          <p:nvPr/>
+        </p:nvSpPr>
+        <p:spPr>
+          <a:xfrm>
+            <a:off x="3129222" y="3400001"/>
+            <a:ext cx="186431" cy="186431"/>
+          </a:xfrm>
+          <a:custGeom>
+            <a:avLst/>
+            <a:gdLst>
+              <a:gd name="connsiteX0" fmla="*/ 186431 w 186431"/>
+              <a:gd name="connsiteY0" fmla="*/ 0 h 186431"/>
+              <a:gd name="connsiteX1" fmla="*/ 0 w 186431"/>
+              <a:gd name="connsiteY1" fmla="*/ 186431 h 186431"/>
+              <a:gd name="connsiteX2" fmla="*/ 186431 w 186431"/>
+              <a:gd name="connsiteY2" fmla="*/ 177553 h 186431"/>
+              <a:gd name="connsiteX3" fmla="*/ 186431 w 186431"/>
+              <a:gd name="connsiteY3" fmla="*/ 0 h 186431"/>
+            </a:gdLst>
+            <a:ahLst/>
+            <a:cxnLst>
+              <a:cxn ang="0">
+                <a:pos x="connsiteX0" y="connsiteY0"/>
+              </a:cxn>
+              <a:cxn ang="0">
+                <a:pos x="connsiteX1" y="connsiteY1"/>
+              </a:cxn>
+              <a:cxn ang="0">
+                <a:pos x="connsiteX2" y="connsiteY2"/>
+              </a:cxn>
+              <a:cxn ang="0">
+                <a:pos x="connsiteX3" y="connsiteY3"/>
+              </a:cxn>
+            </a:cxnLst>
+            <a:rect l="l" t="t" r="r" b="b"/>
+            <a:pathLst>
+              <a:path w="186431" h="186431">
+                <a:moveTo>
+                  <a:pt x="186431" y="0"/>
+                </a:moveTo>
+                <a:lnTo>
+                  <a:pt x="0" y="186431"/>
+                </a:lnTo>
+                <a:lnTo>
+                  <a:pt x="186431" y="177553"/>
+                </a:lnTo>
+                <a:lnTo>
+                  <a:pt x="186431" y="0"/>
+                </a:lnTo>
+                <a:close/>
+              </a:path>
+            </a:pathLst>
+          </a:custGeom>
+          <a:solidFill>
+            <a:schemeClr val="bg1"/>
+          </a:solidFill>
+          <a:ln>
+            <a:solidFill>
+              <a:schemeClr val="bg1"/>
+            </a:solidFill>
+          </a:ln>
+          <a:effectLst/>
+        </p:spPr>
+        <p:style>
+          <a:lnRef idx="1">
+            <a:schemeClr val="accent1"/>
+          </a:lnRef>
+          <a:fillRef idx="3">
+            <a:schemeClr val="accent1"/>
+          </a:fillRef>
+          <a:effectRef idx="2">
+            <a:schemeClr val="accent1"/>
+          </a:effectRef>
+          <a:fontRef idx="minor">
+            <a:schemeClr val="lt1"/>
+          </a:fontRef>
+        </p:style>
+        <p:txBody>
+          <a:bodyPr rtlCol="0" anchor="ctr"/>
+          <a:lstStyle/>
+          <a:p>
+            <a:pPr algn="ctr"/>
+            <a:endParaRPr lang="en-US"/>
+          </a:p>
+        </p:txBody>
+      </p:sp>
+      <p:sp>
+        <p:nvSpPr>
+          <p:cNvPr id="25" name="Freeform: Shape 24">
+            <a:extLst>
+              <a:ext uri="{FF2B5EF4-FFF2-40B4-BE49-F238E27FC236}">
+                <a16:creationId xmlns:a16="http://schemas.microsoft.com/office/drawing/2014/main" id="{F2E2F343-810A-F792-40D6-5CE5718AEE21}"/>
+              </a:ext>
+            </a:extLst>
+          </p:cNvPr>
+          <p:cNvSpPr/>
+          <p:nvPr/>
+        </p:nvSpPr>
+        <p:spPr>
+          <a:xfrm>
+            <a:off x="2744095" y="3550766"/>
+            <a:ext cx="612559" cy="381739"/>
+          </a:xfrm>
+          <a:custGeom>
+            <a:avLst/>
+            <a:gdLst>
+              <a:gd name="connsiteX0" fmla="*/ 435005 w 612559"/>
+              <a:gd name="connsiteY0" fmla="*/ 0 h 381739"/>
+              <a:gd name="connsiteX1" fmla="*/ 346229 w 612559"/>
+              <a:gd name="connsiteY1" fmla="*/ 88776 h 381739"/>
+              <a:gd name="connsiteX2" fmla="*/ 159798 w 612559"/>
+              <a:gd name="connsiteY2" fmla="*/ 186431 h 381739"/>
+              <a:gd name="connsiteX3" fmla="*/ 8877 w 612559"/>
+              <a:gd name="connsiteY3" fmla="*/ 213064 h 381739"/>
+              <a:gd name="connsiteX4" fmla="*/ 0 w 612559"/>
+              <a:gd name="connsiteY4" fmla="*/ 337351 h 381739"/>
+              <a:gd name="connsiteX5" fmla="*/ 612559 w 612559"/>
+              <a:gd name="connsiteY5" fmla="*/ 381739 h 381739"/>
+              <a:gd name="connsiteX6" fmla="*/ 435005 w 612559"/>
+              <a:gd name="connsiteY6" fmla="*/ 0 h 381739"/>
+            </a:gdLst>
+            <a:ahLst/>
+            <a:cxnLst>
+              <a:cxn ang="0">
+                <a:pos x="connsiteX0" y="connsiteY0"/>
+              </a:cxn>
+              <a:cxn ang="0">
+                <a:pos x="connsiteX1" y="connsiteY1"/>
+              </a:cxn>
+              <a:cxn ang="0">
+                <a:pos x="connsiteX2" y="connsiteY2"/>
+              </a:cxn>
+              <a:cxn ang="0">
+                <a:pos x="connsiteX3" y="connsiteY3"/>
+              </a:cxn>
+              <a:cxn ang="0">
+                <a:pos x="connsiteX4" y="connsiteY4"/>
+              </a:cxn>
+              <a:cxn ang="0">
+                <a:pos x="connsiteX5" y="connsiteY5"/>
+              </a:cxn>
+              <a:cxn ang="0">
+                <a:pos x="connsiteX6" y="connsiteY6"/>
+              </a:cxn>
+            </a:cxnLst>
+            <a:rect l="l" t="t" r="r" b="b"/>
+            <a:pathLst>
+              <a:path w="612559" h="381739">
+                <a:moveTo>
+                  <a:pt x="435005" y="0"/>
+                </a:moveTo>
+                <a:lnTo>
+                  <a:pt x="346229" y="88776"/>
+                </a:lnTo>
+                <a:lnTo>
+                  <a:pt x="159798" y="186431"/>
+                </a:lnTo>
+                <a:lnTo>
+                  <a:pt x="8877" y="213064"/>
+                </a:lnTo>
+                <a:lnTo>
+                  <a:pt x="0" y="337351"/>
+                </a:lnTo>
+                <a:lnTo>
+                  <a:pt x="612559" y="381739"/>
+                </a:lnTo>
+                <a:lnTo>
+                  <a:pt x="435005" y="0"/>
+                </a:lnTo>
+                <a:close/>
+              </a:path>
+            </a:pathLst>
+          </a:custGeom>
+          <a:solidFill>
+            <a:schemeClr val="bg1"/>
+          </a:solidFill>
+          <a:ln>
+            <a:solidFill>
+              <a:schemeClr val="bg1"/>
+            </a:solidFill>
+          </a:ln>
+          <a:effectLst/>
+        </p:spPr>
+        <p:style>
+          <a:lnRef idx="1">
+            <a:schemeClr val="accent1"/>
+          </a:lnRef>
+          <a:fillRef idx="3">
+            <a:schemeClr val="accent1"/>
+          </a:fillRef>
+          <a:effectRef idx="2">
+            <a:schemeClr val="accent1"/>
+          </a:effectRef>
+          <a:fontRef idx="minor">
+            <a:schemeClr val="lt1"/>
+          </a:fontRef>
+        </p:style>
+        <p:txBody>
+          <a:bodyPr rtlCol="0" anchor="ctr"/>
+          <a:lstStyle/>
+          <a:p>
+            <a:pPr algn="ctr"/>
+            <a:endParaRPr lang="en-US"/>
+          </a:p>
+        </p:txBody>
+      </p:sp>
+      <p:cxnSp>
+        <p:nvCxnSpPr>
+          <p:cNvPr id="9" name="Straight Connector 8">
+            <a:extLst>
+              <a:ext uri="{FF2B5EF4-FFF2-40B4-BE49-F238E27FC236}">
+                <a16:creationId xmlns:a16="http://schemas.microsoft.com/office/drawing/2014/main" id="{C92344E6-AFD5-1135-DC7C-3C2B117DF1E7}"/>
+              </a:ext>
+            </a:extLst>
+          </p:cNvPr>
+          <p:cNvCxnSpPr>
+            <a:cxnSpLocks/>
+          </p:cNvCxnSpPr>
+          <p:nvPr/>
+        </p:nvCxnSpPr>
+        <p:spPr>
+          <a:xfrm>
+            <a:off x="251533" y="3791298"/>
+            <a:ext cx="8534400" cy="0"/>
+          </a:xfrm>
+          <a:prstGeom prst="line">
+            <a:avLst/>
+          </a:prstGeom>
+          <a:ln>
+            <a:solidFill>
+              <a:srgbClr val="FF0000"/>
+            </a:solidFill>
+            <a:prstDash val="sysDash"/>
+          </a:ln>
+        </p:spPr>
+        <p:style>
+          <a:lnRef idx="2">
+            <a:schemeClr val="accent1"/>
+          </a:lnRef>
+          <a:fillRef idx="0">
+            <a:schemeClr val="accent1"/>
+          </a:fillRef>
+          <a:effectRef idx="1">
+            <a:schemeClr val="accent1"/>
+          </a:effectRef>
+          <a:fontRef idx="minor">
+            <a:schemeClr val="tx1"/>
+          </a:fontRef>
+        </p:style>
+      </p:cxnSp>
     </p:spTree>
     <p:extLst>
       <p:ext uri="{BB962C8B-B14F-4D97-AF65-F5344CB8AC3E}">
@@ -8107,53 +8463,21 @@
 </file>
 
 <file path=customXml/item2.xml><?xml version="1.0" encoding="utf-8"?>
-<?mso-contentType ?>
-<spe:Receivers xmlns:spe="http://schemas.microsoft.com/sharepoint/events">
-  <Receiver>
-    <Name>Document ID Generator</Name>
-    <Synchronization>Synchronous</Synchronization>
-    <Type>10001</Type>
-    <SequenceNumber>1000</SequenceNumber>
-    <Url/>
-    <Assembly>Microsoft.Office.DocumentManagement, Version=16.0.0.0, Culture=neutral, PublicKeyToken=71e9bce111e9429c</Assembly>
-    <Class>Microsoft.Office.DocumentManagement.Internal.DocIdHandler</Class>
-    <Data/>
-    <Filter/>
-  </Receiver>
-  <Receiver>
-    <Name>Document ID Generator</Name>
-    <Synchronization>Synchronous</Synchronization>
-    <Type>10002</Type>
-    <SequenceNumber>1001</SequenceNumber>
-    <Url/>
-    <Assembly>Microsoft.Office.DocumentManagement, Version=16.0.0.0, Culture=neutral, PublicKeyToken=71e9bce111e9429c</Assembly>
-    <Class>Microsoft.Office.DocumentManagement.Internal.DocIdHandler</Class>
-    <Data/>
-    <Filter/>
-  </Receiver>
-  <Receiver>
-    <Name>Document ID Generator</Name>
-    <Synchronization>Synchronous</Synchronization>
-    <Type>10004</Type>
-    <SequenceNumber>1002</SequenceNumber>
-    <Url/>
-    <Assembly>Microsoft.Office.DocumentManagement, Version=16.0.0.0, Culture=neutral, PublicKeyToken=71e9bce111e9429c</Assembly>
-    <Class>Microsoft.Office.DocumentManagement.Internal.DocIdHandler</Class>
-    <Data/>
-    <Filter/>
-  </Receiver>
-  <Receiver>
-    <Name>Document ID Generator</Name>
-    <Synchronization>Synchronous</Synchronization>
-    <Type>10006</Type>
-    <SequenceNumber>1003</SequenceNumber>
-    <Url/>
-    <Assembly>Microsoft.Office.DocumentManagement, Version=16.0.0.0, Culture=neutral, PublicKeyToken=71e9bce111e9429c</Assembly>
-    <Class>Microsoft.Office.DocumentManagement.Internal.DocIdHandler</Class>
-    <Data/>
-    <Filter/>
-  </Receiver>
-</spe:Receivers>
+<p:properties xmlns:p="http://schemas.microsoft.com/office/2006/metadata/properties" xmlns:xsi="http://www.w3.org/2001/XMLSchema-instance" xmlns:pc="http://schemas.microsoft.com/office/infopath/2007/PartnerControls">
+  <documentManagement>
+    <_dlc_DocId xmlns="6c7cbfae-09b3-446b-8042-326ae5c03660">BOARD-503068496-23933</_dlc_DocId>
+    <_ip_UnifiedCompliancePolicyUIAction xmlns="http://schemas.microsoft.com/sharepoint/v3" xsi:nil="true"/>
+    <_dlc_DocIdUrl xmlns="6c7cbfae-09b3-446b-8042-326ae5c03660">
+      <Url>https://dvagov.sharepoint.com/sites/VACOBVA/TIB/Analytics/_layouts/15/DocIdRedir.aspx?ID=BOARD-503068496-23933</Url>
+      <Description>BOARD-503068496-23933</Description>
+    </_dlc_DocIdUrl>
+    <_ip_UnifiedCompliancePolicyProperties xmlns="http://schemas.microsoft.com/sharepoint/v3" xsi:nil="true"/>
+    <TaxCatchAll xmlns="6c7cbfae-09b3-446b-8042-326ae5c03660" xsi:nil="true"/>
+    <lcf76f155ced4ddcb4097134ff3c332f xmlns="ad6c7ecd-ee5d-4806-b474-34ffc4cee37f">
+      <Terms xmlns="http://schemas.microsoft.com/office/infopath/2007/PartnerControls"/>
+    </lcf76f155ced4ddcb4097134ff3c332f>
+  </documentManagement>
+</p:properties>
 </file>
 
 <file path=customXml/item3.xml><?xml version="1.0" encoding="utf-8"?>
@@ -8427,21 +8751,53 @@
 </file>
 
 <file path=customXml/item4.xml><?xml version="1.0" encoding="utf-8"?>
-<p:properties xmlns:p="http://schemas.microsoft.com/office/2006/metadata/properties" xmlns:xsi="http://www.w3.org/2001/XMLSchema-instance" xmlns:pc="http://schemas.microsoft.com/office/infopath/2007/PartnerControls">
-  <documentManagement>
-    <_dlc_DocId xmlns="6c7cbfae-09b3-446b-8042-326ae5c03660">BOARD-503068496-23933</_dlc_DocId>
-    <_ip_UnifiedCompliancePolicyUIAction xmlns="http://schemas.microsoft.com/sharepoint/v3" xsi:nil="true"/>
-    <_dlc_DocIdUrl xmlns="6c7cbfae-09b3-446b-8042-326ae5c03660">
-      <Url>https://dvagov.sharepoint.com/sites/VACOBVA/TIB/Analytics/_layouts/15/DocIdRedir.aspx?ID=BOARD-503068496-23933</Url>
-      <Description>BOARD-503068496-23933</Description>
-    </_dlc_DocIdUrl>
-    <_ip_UnifiedCompliancePolicyProperties xmlns="http://schemas.microsoft.com/sharepoint/v3" xsi:nil="true"/>
-    <TaxCatchAll xmlns="6c7cbfae-09b3-446b-8042-326ae5c03660" xsi:nil="true"/>
-    <lcf76f155ced4ddcb4097134ff3c332f xmlns="ad6c7ecd-ee5d-4806-b474-34ffc4cee37f">
-      <Terms xmlns="http://schemas.microsoft.com/office/infopath/2007/PartnerControls"/>
-    </lcf76f155ced4ddcb4097134ff3c332f>
-  </documentManagement>
-</p:properties>
+<?mso-contentType ?>
+<spe:Receivers xmlns:spe="http://schemas.microsoft.com/sharepoint/events">
+  <Receiver>
+    <Name>Document ID Generator</Name>
+    <Synchronization>Synchronous</Synchronization>
+    <Type>10001</Type>
+    <SequenceNumber>1000</SequenceNumber>
+    <Url/>
+    <Assembly>Microsoft.Office.DocumentManagement, Version=16.0.0.0, Culture=neutral, PublicKeyToken=71e9bce111e9429c</Assembly>
+    <Class>Microsoft.Office.DocumentManagement.Internal.DocIdHandler</Class>
+    <Data/>
+    <Filter/>
+  </Receiver>
+  <Receiver>
+    <Name>Document ID Generator</Name>
+    <Synchronization>Synchronous</Synchronization>
+    <Type>10002</Type>
+    <SequenceNumber>1001</SequenceNumber>
+    <Url/>
+    <Assembly>Microsoft.Office.DocumentManagement, Version=16.0.0.0, Culture=neutral, PublicKeyToken=71e9bce111e9429c</Assembly>
+    <Class>Microsoft.Office.DocumentManagement.Internal.DocIdHandler</Class>
+    <Data/>
+    <Filter/>
+  </Receiver>
+  <Receiver>
+    <Name>Document ID Generator</Name>
+    <Synchronization>Synchronous</Synchronization>
+    <Type>10004</Type>
+    <SequenceNumber>1002</SequenceNumber>
+    <Url/>
+    <Assembly>Microsoft.Office.DocumentManagement, Version=16.0.0.0, Culture=neutral, PublicKeyToken=71e9bce111e9429c</Assembly>
+    <Class>Microsoft.Office.DocumentManagement.Internal.DocIdHandler</Class>
+    <Data/>
+    <Filter/>
+  </Receiver>
+  <Receiver>
+    <Name>Document ID Generator</Name>
+    <Synchronization>Synchronous</Synchronization>
+    <Type>10006</Type>
+    <SequenceNumber>1003</SequenceNumber>
+    <Url/>
+    <Assembly>Microsoft.Office.DocumentManagement, Version=16.0.0.0, Culture=neutral, PublicKeyToken=71e9bce111e9429c</Assembly>
+    <Class>Microsoft.Office.DocumentManagement.Internal.DocIdHandler</Class>
+    <Data/>
+    <Filter/>
+  </Receiver>
+</spe:Receivers>
 </file>
 
 <file path=customXml/itemProps1.xml><?xml version="1.0" encoding="utf-8"?>
@@ -8453,9 +8809,13 @@
 </file>
 
 <file path=customXml/itemProps2.xml><?xml version="1.0" encoding="utf-8"?>
-<ds:datastoreItem xmlns:ds="http://schemas.openxmlformats.org/officeDocument/2006/customXml" ds:itemID="{C8318F2C-76C6-4818-B6AD-889931FD2D72}">
+<ds:datastoreItem xmlns:ds="http://schemas.openxmlformats.org/officeDocument/2006/customXml" ds:itemID="{9E2854AC-6D5D-48DD-AF8B-133B53727F58}">
   <ds:schemaRefs>
-    <ds:schemaRef ds:uri="http://schemas.microsoft.com/sharepoint/events"/>
+    <ds:schemaRef ds:uri="http://schemas.microsoft.com/office/2006/metadata/properties"/>
+    <ds:schemaRef ds:uri="http://schemas.microsoft.com/office/infopath/2007/PartnerControls"/>
+    <ds:schemaRef ds:uri="6c7cbfae-09b3-446b-8042-326ae5c03660"/>
+    <ds:schemaRef ds:uri="http://schemas.microsoft.com/sharepoint/v3"/>
+    <ds:schemaRef ds:uri="ad6c7ecd-ee5d-4806-b474-34ffc4cee37f"/>
   </ds:schemaRefs>
 </ds:datastoreItem>
 </file>
@@ -8482,13 +8842,9 @@
 </file>
 
 <file path=customXml/itemProps4.xml><?xml version="1.0" encoding="utf-8"?>
-<ds:datastoreItem xmlns:ds="http://schemas.openxmlformats.org/officeDocument/2006/customXml" ds:itemID="{9E2854AC-6D5D-48DD-AF8B-133B53727F58}">
+<ds:datastoreItem xmlns:ds="http://schemas.openxmlformats.org/officeDocument/2006/customXml" ds:itemID="{C8318F2C-76C6-4818-B6AD-889931FD2D72}">
   <ds:schemaRefs>
-    <ds:schemaRef ds:uri="http://schemas.microsoft.com/office/2006/metadata/properties"/>
-    <ds:schemaRef ds:uri="http://schemas.microsoft.com/office/infopath/2007/PartnerControls"/>
-    <ds:schemaRef ds:uri="6c7cbfae-09b3-446b-8042-326ae5c03660"/>
-    <ds:schemaRef ds:uri="http://schemas.microsoft.com/sharepoint/v3"/>
-    <ds:schemaRef ds:uri="ad6c7ecd-ee5d-4806-b474-34ffc4cee37f"/>
+    <ds:schemaRef ds:uri="http://schemas.microsoft.com/sharepoint/events"/>
   </ds:schemaRefs>
 </ds:datastoreItem>
 </file>